--- a/MOD12_Excepciones/01 Presentacion/INFO2_MOD12-Expcepciones.pptx
+++ b/MOD12_Excepciones/01 Presentacion/INFO2_MOD12-Expcepciones.pptx
@@ -4916,8 +4916,8 @@
         </p:nvSpPr>
         <p:spPr>
           <a:xfrm>
-            <a:off x="457200" y="274638"/>
-            <a:ext cx="8229600" cy="659217"/>
+            <a:off x="111512" y="274638"/>
+            <a:ext cx="8575288" cy="659217"/>
           </a:xfrm>
         </p:spPr>
         <p:txBody>
@@ -4925,10 +4925,10 @@
           <a:lstStyle/>
           <a:p>
             <a:r>
-              <a:rPr lang="es-MX" sz="4000" dirty="0"/>
+              <a:rPr lang="es-MX" sz="4000" b="1" dirty="0"/>
               <a:t>1. Excepciones por instrucciones</a:t>
             </a:r>
-            <a:endParaRPr lang="en-US" sz="4000" dirty="0"/>
+            <a:endParaRPr lang="en-US" sz="4000" b="1" dirty="0"/>
           </a:p>
         </p:txBody>
       </p:sp>
@@ -5107,7 +5107,7 @@
           <a:lstStyle/>
           <a:p>
             <a:r>
-              <a:rPr lang="es-MX" dirty="0"/>
+              <a:rPr lang="es-MX" b="1" dirty="0"/>
               <a:t>2. Excepciones por </a:t>
             </a:r>
             <a:r>
@@ -5120,7 +5120,7 @@
               </a:rPr>
               <a:t>throw</a:t>
             </a:r>
-            <a:endParaRPr lang="en-US" dirty="0"/>
+            <a:endParaRPr lang="en-US" b="1" dirty="0"/>
           </a:p>
         </p:txBody>
       </p:sp>
@@ -5294,10 +5294,10 @@
           <a:p>
             <a:pPr eaLnBrk="1" hangingPunct="1"/>
             <a:r>
-              <a:rPr lang="es-MX" altLang="en-US" dirty="0"/>
+              <a:rPr lang="es-MX" altLang="en-US" b="1" dirty="0"/>
               <a:t>3. Métodos y Excepciones</a:t>
             </a:r>
-            <a:endParaRPr lang="en-US" altLang="en-US" dirty="0"/>
+            <a:endParaRPr lang="en-US" altLang="en-US" b="1" dirty="0"/>
           </a:p>
         </p:txBody>
       </p:sp>
@@ -5818,15 +5818,7 @@
             </a:pPr>
             <a:r>
               <a:rPr lang="en-US" dirty="0"/>
-              <a:t>La </a:t>
-            </a:r>
-            <a:r>
-              <a:rPr lang="en-US" dirty="0" err="1"/>
-              <a:t>palabra</a:t>
-            </a:r>
-            <a:r>
-              <a:rPr lang="en-US" dirty="0"/>
-              <a:t> </a:t>
+              <a:t>La palabra </a:t>
             </a:r>
             <a:r>
               <a:rPr lang="en-US" sz="3200" b="1" dirty="0">
@@ -5849,15 +5841,15 @@
             </a:r>
             <a:r>
               <a:rPr lang="en-US" dirty="0"/>
-              <a:t> para declarer </a:t>
+              <a:t> para </a:t>
             </a:r>
             <a:r>
               <a:rPr lang="en-US" dirty="0" err="1"/>
-              <a:t>que</a:t>
+              <a:t>declarar</a:t>
             </a:r>
             <a:r>
               <a:rPr lang="en-US" dirty="0"/>
-              <a:t> el </a:t>
+              <a:t> que el </a:t>
             </a:r>
             <a:r>
               <a:rPr lang="en-US" dirty="0" err="1"/>
@@ -5880,12 +5872,8 @@
               <a:t>lanzar</a:t>
             </a:r>
             <a:r>
-              <a:rPr lang="en-US" u="sng" dirty="0"/>
-              <a:t> </a:t>
-            </a:r>
-            <a:r>
               <a:rPr lang="en-US" dirty="0"/>
-              <a:t>la </a:t>
+              <a:t> la </a:t>
             </a:r>
             <a:r>
               <a:rPr lang="en-US" dirty="0" err="1"/>
@@ -6012,10 +6000,10 @@
           <a:lstStyle/>
           <a:p>
             <a:r>
-              <a:rPr lang="es-MX" altLang="en-US" dirty="0"/>
+              <a:rPr lang="es-MX" altLang="en-US" b="1" dirty="0"/>
               <a:t>3. Métodos y Excepciones</a:t>
             </a:r>
-            <a:endParaRPr lang="en-US" altLang="en-US" dirty="0"/>
+            <a:endParaRPr lang="en-US" altLang="en-US" b="1" dirty="0"/>
           </a:p>
         </p:txBody>
       </p:sp>
@@ -6331,7 +6319,7 @@
             </a:r>
             <a:r>
               <a:rPr lang="en-US" altLang="en-US" dirty="0" err="1"/>
-              <a:t>inusual</a:t>
+              <a:t>inesperado</a:t>
             </a:r>
             <a:r>
               <a:rPr lang="en-US" altLang="en-US" dirty="0"/>
@@ -6597,15 +6585,15 @@
               <a:defRPr/>
             </a:pPr>
             <a:r>
-              <a:rPr lang="en-US" dirty="0"/>
+              <a:rPr lang="en-US" b="1" dirty="0"/>
               <a:t>El </a:t>
             </a:r>
             <a:r>
-              <a:rPr lang="en-US" dirty="0" err="1"/>
+              <a:rPr lang="en-US" b="1" dirty="0" err="1"/>
               <a:t>bloque</a:t>
             </a:r>
             <a:r>
-              <a:rPr lang="en-US" dirty="0"/>
+              <a:rPr lang="en-US" b="1" dirty="0"/>
               <a:t> </a:t>
             </a:r>
             <a:r>
@@ -6619,7 +6607,7 @@
               </a:rPr>
               <a:t>finally</a:t>
             </a:r>
-            <a:endParaRPr lang="en-US" dirty="0"/>
+            <a:endParaRPr lang="en-US" b="1" dirty="0"/>
           </a:p>
         </p:txBody>
       </p:sp>
@@ -6642,7 +6630,7 @@
         <p:spPr>
           <a:xfrm>
             <a:off x="457200" y="1018162"/>
-            <a:ext cx="8229600" cy="4525963"/>
+            <a:ext cx="8229600" cy="5434677"/>
           </a:xfrm>
         </p:spPr>
         <p:txBody>
@@ -6668,11 +6656,11 @@
             </a:r>
             <a:r>
               <a:rPr lang="en-US" altLang="en-US" dirty="0"/>
-              <a:t> de </a:t>
+              <a:t> </a:t>
             </a:r>
             <a:r>
               <a:rPr lang="en-US" altLang="en-US" dirty="0" err="1"/>
-              <a:t>tipo</a:t>
+              <a:t>opcional</a:t>
             </a:r>
             <a:r>
               <a:rPr lang="en-US" altLang="en-US" dirty="0"/>
@@ -6841,7 +6829,20 @@
             </a:r>
             <a:r>
               <a:rPr lang="en-US" altLang="en-US" dirty="0"/>
-              <a:t> de return dentro del catch, la </a:t>
+              <a:t> </a:t>
+            </a:r>
+            <a:r>
+              <a:rPr lang="en-US" altLang="en-US" b="1" dirty="0">
+                <a:solidFill>
+                  <a:srgbClr val="0033CC"/>
+                </a:solidFill>
+                <a:latin typeface="Consolas" panose="020B0609020204030204" pitchFamily="49" charset="0"/>
+              </a:rPr>
+              <a:t>return</a:t>
+            </a:r>
+            <a:r>
+              <a:rPr lang="en-US" altLang="en-US" dirty="0"/>
+              <a:t> dentro del catch, la </a:t>
             </a:r>
             <a:r>
               <a:rPr lang="en-US" altLang="en-US" dirty="0" err="1"/>
@@ -7053,10 +7054,10 @@
           <a:lstStyle/>
           <a:p>
             <a:r>
-              <a:rPr lang="en-US" altLang="en-US" dirty="0" err="1"/>
+              <a:rPr lang="en-US" altLang="en-US" b="1" dirty="0" err="1"/>
               <a:t>Resumen</a:t>
             </a:r>
-            <a:endParaRPr lang="en-US" altLang="en-US" dirty="0"/>
+            <a:endParaRPr lang="en-US" altLang="en-US" b="1" dirty="0"/>
           </a:p>
         </p:txBody>
       </p:sp>
@@ -7079,7 +7080,7 @@
         <p:spPr>
           <a:xfrm>
             <a:off x="457200" y="904875"/>
-            <a:ext cx="8229600" cy="4525963"/>
+            <a:ext cx="8229600" cy="5391847"/>
           </a:xfrm>
         </p:spPr>
         <p:txBody>
